--- a/STAT3013 Project draft.pptx
+++ b/STAT3013 Project draft.pptx
@@ -5,7 +5,7 @@
     <p:sldMasterId id="2147483648" r:id="rId1"/>
   </p:sldMasterIdLst>
   <p:notesMasterIdLst>
-    <p:notesMasterId r:id="rId21"/>
+    <p:notesMasterId r:id="rId22"/>
   </p:notesMasterIdLst>
   <p:sldIdLst>
     <p:sldId id="256" r:id="rId2"/>
@@ -27,6 +27,7 @@
     <p:sldId id="259" r:id="rId18"/>
     <p:sldId id="260" r:id="rId19"/>
     <p:sldId id="261" r:id="rId20"/>
+    <p:sldId id="275" r:id="rId21"/>
   </p:sldIdLst>
   <p:sldSz cx="9144000" cy="6858000" type="screen4x3"/>
   <p:notesSz cx="6858000" cy="9144000"/>
@@ -210,7 +211,7 @@
           <a:p>
             <a:fld id="{3D14189E-669F-4446-8107-AA75AE2ACCE5}" type="datetimeFigureOut">
               <a:rPr lang="en-AU" smtClean="0"/>
-              <a:t>15/05/2016</a:t>
+              <a:t>15/05/16</a:t>
             </a:fld>
             <a:endParaRPr lang="en-AU"/>
           </a:p>
@@ -650,27 +651,8 @@
                 <a:ea typeface="+mn-ea"/>
                 <a:cs typeface="+mn-cs"/>
               </a:rPr>
-              <a:t>In the BYM map we can still see the cluster in the north east and a clustering in the middle of the state and more hotspots along the coastal areas and north </a:t>
-            </a:r>
-            <a:r>
-              <a:rPr lang="en-AU" sz="1200" b="0" i="0" u="none" strike="noStrike" kern="1200" baseline="0" dirty="0" smtClean="0">
-                <a:solidFill>
-                  <a:schemeClr val="tx1"/>
-                </a:solidFill>
-                <a:latin typeface="+mn-lt"/>
-                <a:ea typeface="+mn-ea"/>
-                <a:cs typeface="+mn-cs"/>
-              </a:rPr>
-              <a:t>and also quite a few more with a relative risk of greater than one.</a:t>
-            </a:r>
-            <a:endParaRPr lang="en-AU" sz="1200" b="0" i="0" u="none" strike="noStrike" kern="1200" baseline="0" dirty="0" smtClean="0">
-              <a:solidFill>
-                <a:schemeClr val="tx1"/>
-              </a:solidFill>
-              <a:latin typeface="+mn-lt"/>
-              <a:ea typeface="+mn-ea"/>
-              <a:cs typeface="+mn-cs"/>
-            </a:endParaRPr>
+              <a:t>In the BYM map we can still see the cluster in the north east and a clustering in the middle of the state and more hotspots along the coastal areas and north and also quite a few more with a relative risk of greater than one.</a:t>
+            </a:r>
           </a:p>
           <a:p>
             <a:pPr marL="0" marR="0" indent="0" algn="l" defTabSz="914400" rtl="0" eaLnBrk="1" fontAlgn="auto" latinLnBrk="0" hangingPunct="1">
@@ -2427,7 +2409,7 @@
           <a:p>
             <a:fld id="{5C1DE6E1-CB5A-410F-AE1B-A0C634280F57}" type="datetimeFigureOut">
               <a:rPr lang="en-AU" smtClean="0"/>
-              <a:t>15/05/2016</a:t>
+              <a:t>15/05/16</a:t>
             </a:fld>
             <a:endParaRPr lang="en-AU"/>
           </a:p>
@@ -2597,7 +2579,7 @@
           <a:p>
             <a:fld id="{5C1DE6E1-CB5A-410F-AE1B-A0C634280F57}" type="datetimeFigureOut">
               <a:rPr lang="en-AU" smtClean="0"/>
-              <a:t>15/05/2016</a:t>
+              <a:t>15/05/16</a:t>
             </a:fld>
             <a:endParaRPr lang="en-AU"/>
           </a:p>
@@ -2777,7 +2759,7 @@
           <a:p>
             <a:fld id="{5C1DE6E1-CB5A-410F-AE1B-A0C634280F57}" type="datetimeFigureOut">
               <a:rPr lang="en-AU" smtClean="0"/>
-              <a:t>15/05/2016</a:t>
+              <a:t>15/05/16</a:t>
             </a:fld>
             <a:endParaRPr lang="en-AU"/>
           </a:p>
@@ -2947,7 +2929,7 @@
           <a:p>
             <a:fld id="{5C1DE6E1-CB5A-410F-AE1B-A0C634280F57}" type="datetimeFigureOut">
               <a:rPr lang="en-AU" smtClean="0"/>
-              <a:t>15/05/2016</a:t>
+              <a:t>15/05/16</a:t>
             </a:fld>
             <a:endParaRPr lang="en-AU"/>
           </a:p>
@@ -3193,7 +3175,7 @@
           <a:p>
             <a:fld id="{5C1DE6E1-CB5A-410F-AE1B-A0C634280F57}" type="datetimeFigureOut">
               <a:rPr lang="en-AU" smtClean="0"/>
-              <a:t>15/05/2016</a:t>
+              <a:t>15/05/16</a:t>
             </a:fld>
             <a:endParaRPr lang="en-AU"/>
           </a:p>
@@ -3481,7 +3463,7 @@
           <a:p>
             <a:fld id="{5C1DE6E1-CB5A-410F-AE1B-A0C634280F57}" type="datetimeFigureOut">
               <a:rPr lang="en-AU" smtClean="0"/>
-              <a:t>15/05/2016</a:t>
+              <a:t>15/05/16</a:t>
             </a:fld>
             <a:endParaRPr lang="en-AU"/>
           </a:p>
@@ -3903,7 +3885,7 @@
           <a:p>
             <a:fld id="{5C1DE6E1-CB5A-410F-AE1B-A0C634280F57}" type="datetimeFigureOut">
               <a:rPr lang="en-AU" smtClean="0"/>
-              <a:t>15/05/2016</a:t>
+              <a:t>15/05/16</a:t>
             </a:fld>
             <a:endParaRPr lang="en-AU"/>
           </a:p>
@@ -4021,7 +4003,7 @@
           <a:p>
             <a:fld id="{5C1DE6E1-CB5A-410F-AE1B-A0C634280F57}" type="datetimeFigureOut">
               <a:rPr lang="en-AU" smtClean="0"/>
-              <a:t>15/05/2016</a:t>
+              <a:t>15/05/16</a:t>
             </a:fld>
             <a:endParaRPr lang="en-AU"/>
           </a:p>
@@ -4116,7 +4098,7 @@
           <a:p>
             <a:fld id="{5C1DE6E1-CB5A-410F-AE1B-A0C634280F57}" type="datetimeFigureOut">
               <a:rPr lang="en-AU" smtClean="0"/>
-              <a:t>15/05/2016</a:t>
+              <a:t>15/05/16</a:t>
             </a:fld>
             <a:endParaRPr lang="en-AU"/>
           </a:p>
@@ -4393,7 +4375,7 @@
           <a:p>
             <a:fld id="{5C1DE6E1-CB5A-410F-AE1B-A0C634280F57}" type="datetimeFigureOut">
               <a:rPr lang="en-AU" smtClean="0"/>
-              <a:t>15/05/2016</a:t>
+              <a:t>15/05/16</a:t>
             </a:fld>
             <a:endParaRPr lang="en-AU"/>
           </a:p>
@@ -4646,7 +4628,7 @@
           <a:p>
             <a:fld id="{5C1DE6E1-CB5A-410F-AE1B-A0C634280F57}" type="datetimeFigureOut">
               <a:rPr lang="en-AU" smtClean="0"/>
-              <a:t>15/05/2016</a:t>
+              <a:t>15/05/16</a:t>
             </a:fld>
             <a:endParaRPr lang="en-AU"/>
           </a:p>
@@ -4859,7 +4841,7 @@
           <a:p>
             <a:fld id="{5C1DE6E1-CB5A-410F-AE1B-A0C634280F57}" type="datetimeFigureOut">
               <a:rPr lang="en-AU" smtClean="0"/>
-              <a:t>15/05/2016</a:t>
+              <a:t>15/05/16</a:t>
             </a:fld>
             <a:endParaRPr lang="en-AU"/>
           </a:p>
@@ -5258,11 +5240,7 @@
           <a:p>
             <a:r>
               <a:rPr lang="en-AU" dirty="0" smtClean="0"/>
-              <a:t>STAT3013 </a:t>
-            </a:r>
-            <a:r>
-              <a:rPr lang="en-AU" dirty="0" smtClean="0"/>
-              <a:t>Project:</a:t>
+              <a:t>STAT3013 Project:</a:t>
             </a:r>
             <a:br>
               <a:rPr lang="en-AU" dirty="0" smtClean="0"/>
@@ -5313,7 +5291,6 @@
               <a:rPr lang="en-AU" dirty="0"/>
               <a:t>Cozens</a:t>
             </a:r>
-            <a:endParaRPr lang="en-AU" dirty="0"/>
           </a:p>
         </p:txBody>
       </p:sp>
@@ -5330,7 +5307,7 @@
   <p:timing>
     <p:tnLst>
       <p:par>
-        <p:cTn id="1" dur="indefinite" restart="never" nodeType="tmRoot"/>
+        <p:cTn xmlns:p14="http://schemas.microsoft.com/office/powerpoint/2010/main" id="1" dur="indefinite" restart="never" nodeType="tmRoot"/>
       </p:par>
     </p:tnLst>
   </p:timing>
@@ -5413,14 +5390,14 @@
             <a:noFill/>
           </a:ln>
           <a:extLst>
-            <a:ext uri="{909E8E84-426E-40DD-AFC4-6F175D3DCCD1}">
+            <a:ext uri="{909E8E84-426E-40dd-AFC4-6F175D3DCCD1}">
               <a14:hiddenFill xmlns:a14="http://schemas.microsoft.com/office/drawing/2010/main">
                 <a:solidFill>
                   <a:schemeClr val="accent1"/>
                 </a:solidFill>
               </a14:hiddenFill>
             </a:ext>
-            <a:ext uri="{91240B29-F687-4F45-9708-019B960494DF}">
+            <a:ext uri="{91240B29-F687-4f45-9708-019B960494DF}">
               <a14:hiddenLine xmlns:a14="http://schemas.microsoft.com/office/drawing/2010/main" w="9525">
                 <a:solidFill>
                   <a:schemeClr val="tx1"/>
@@ -5467,14 +5444,14 @@
             <a:noFill/>
           </a:ln>
           <a:extLst>
-            <a:ext uri="{909E8E84-426E-40DD-AFC4-6F175D3DCCD1}">
+            <a:ext uri="{909E8E84-426E-40dd-AFC4-6F175D3DCCD1}">
               <a14:hiddenFill xmlns:a14="http://schemas.microsoft.com/office/drawing/2010/main">
                 <a:solidFill>
                   <a:schemeClr val="accent1"/>
                 </a:solidFill>
               </a14:hiddenFill>
             </a:ext>
-            <a:ext uri="{91240B29-F687-4F45-9708-019B960494DF}">
+            <a:ext uri="{91240B29-F687-4f45-9708-019B960494DF}">
               <a14:hiddenLine xmlns:a14="http://schemas.microsoft.com/office/drawing/2010/main" w="9525">
                 <a:solidFill>
                   <a:schemeClr val="tx1"/>
@@ -5521,14 +5498,14 @@
             <a:noFill/>
           </a:ln>
           <a:extLst>
-            <a:ext uri="{909E8E84-426E-40DD-AFC4-6F175D3DCCD1}">
+            <a:ext uri="{909E8E84-426E-40dd-AFC4-6F175D3DCCD1}">
               <a14:hiddenFill xmlns:a14="http://schemas.microsoft.com/office/drawing/2010/main">
                 <a:solidFill>
                   <a:schemeClr val="accent1"/>
                 </a:solidFill>
               </a14:hiddenFill>
             </a:ext>
-            <a:ext uri="{91240B29-F687-4F45-9708-019B960494DF}">
+            <a:ext uri="{91240B29-F687-4f45-9708-019B960494DF}">
               <a14:hiddenLine xmlns:a14="http://schemas.microsoft.com/office/drawing/2010/main" w="9525">
                 <a:solidFill>
                   <a:schemeClr val="tx1"/>
@@ -5554,7 +5531,7 @@
   <p:timing>
     <p:tnLst>
       <p:par>
-        <p:cTn id="1" dur="indefinite" restart="never" nodeType="tmRoot"/>
+        <p:cTn xmlns:p14="http://schemas.microsoft.com/office/powerpoint/2010/main" id="1" dur="indefinite" restart="never" nodeType="tmRoot"/>
       </p:par>
     </p:tnLst>
   </p:timing>
@@ -5671,14 +5648,14 @@
             <a:noFill/>
           </a:ln>
           <a:extLst>
-            <a:ext uri="{909E8E84-426E-40DD-AFC4-6F175D3DCCD1}">
+            <a:ext uri="{909E8E84-426E-40dd-AFC4-6F175D3DCCD1}">
               <a14:hiddenFill xmlns:a14="http://schemas.microsoft.com/office/drawing/2010/main">
                 <a:solidFill>
                   <a:schemeClr val="accent1"/>
                 </a:solidFill>
               </a14:hiddenFill>
             </a:ext>
-            <a:ext uri="{91240B29-F687-4F45-9708-019B960494DF}">
+            <a:ext uri="{91240B29-F687-4f45-9708-019B960494DF}">
               <a14:hiddenLine xmlns:a14="http://schemas.microsoft.com/office/drawing/2010/main" w="9525">
                 <a:solidFill>
                   <a:schemeClr val="tx1"/>
@@ -5704,7 +5681,7 @@
   <p:timing>
     <p:tnLst>
       <p:par>
-        <p:cTn id="1" dur="indefinite" restart="never" nodeType="tmRoot"/>
+        <p:cTn xmlns:p14="http://schemas.microsoft.com/office/powerpoint/2010/main" id="1" dur="indefinite" restart="never" nodeType="tmRoot"/>
       </p:par>
     </p:tnLst>
   </p:timing>
@@ -5783,7 +5760,7 @@
   <p:timing>
     <p:tnLst>
       <p:par>
-        <p:cTn id="1" dur="indefinite" restart="never" nodeType="tmRoot"/>
+        <p:cTn xmlns:p14="http://schemas.microsoft.com/office/powerpoint/2010/main" id="1" dur="indefinite" restart="never" nodeType="tmRoot"/>
       </p:par>
     </p:tnLst>
   </p:timing>
@@ -5823,9 +5800,10 @@
           <a:lstStyle/>
           <a:p>
             <a:r>
-              <a:rPr lang="en-AU" dirty="0"/>
-              <a:t>Extension</a:t>
-            </a:r>
+              <a:rPr lang="en-AU" dirty="0" smtClean="0"/>
+              <a:t>Extension - Motivation</a:t>
+            </a:r>
+            <a:endParaRPr lang="en-AU" dirty="0"/>
           </a:p>
         </p:txBody>
       </p:sp>
@@ -5841,10 +5819,58 @@
         </p:nvSpPr>
         <p:spPr/>
         <p:txBody>
-          <a:bodyPr/>
-          <a:lstStyle/>
-          <a:p>
-            <a:endParaRPr lang="en-AU"/>
+          <a:bodyPr>
+            <a:normAutofit fontScale="92500"/>
+          </a:bodyPr>
+          <a:lstStyle/>
+          <a:p>
+            <a:r>
+              <a:rPr lang="en-US" dirty="0" err="1"/>
+              <a:t>Immunisation</a:t>
+            </a:r>
+            <a:r>
+              <a:rPr lang="en-US" dirty="0"/>
+              <a:t> rates goal to be at 95% to provide </a:t>
+            </a:r>
+            <a:r>
+              <a:rPr lang="en-US"/>
+              <a:t>herd </a:t>
+            </a:r>
+            <a:r>
+              <a:rPr lang="en-US" smtClean="0"/>
+              <a:t>immunity</a:t>
+            </a:r>
+            <a:r>
+              <a:rPr lang="en-US" baseline="30000" smtClean="0"/>
+              <a:t>1</a:t>
+            </a:r>
+            <a:r>
+              <a:rPr lang="en-US" smtClean="0"/>
+              <a:t>. </a:t>
+            </a:r>
+            <a:r>
+              <a:rPr lang="en-US" dirty="0" smtClean="0"/>
+              <a:t>You </a:t>
+            </a:r>
+            <a:r>
+              <a:rPr lang="en-US" dirty="0"/>
+              <a:t>can see from the histogram of the data we are a way off this target.</a:t>
+            </a:r>
+          </a:p>
+          <a:p>
+            <a:r>
+              <a:rPr lang="en-US" dirty="0"/>
+              <a:t>There were outbreaks of measles cases in 2011 in Sydney high schools that have populations with low vaccination </a:t>
+            </a:r>
+            <a:r>
+              <a:rPr lang="en-US" dirty="0" smtClean="0"/>
+              <a:t>coverage. </a:t>
+            </a:r>
+            <a:r>
+              <a:rPr lang="en-US" dirty="0"/>
+              <a:t>These and future outbreaks could be prevented by targeted education in areas of low vaccination coverage.</a:t>
+            </a:r>
+            <a:endParaRPr lang="en-AU" dirty="0"/>
           </a:p>
         </p:txBody>
       </p:sp>
@@ -5861,7 +5887,7 @@
   <p:timing>
     <p:tnLst>
       <p:par>
-        <p:cTn id="1" dur="indefinite" restart="never" nodeType="tmRoot"/>
+        <p:cTn xmlns:p14="http://schemas.microsoft.com/office/powerpoint/2010/main" id="1" dur="indefinite" restart="never" nodeType="tmRoot"/>
       </p:par>
     </p:tnLst>
   </p:timing>
@@ -5939,7 +5965,7 @@
   <p:timing>
     <p:tnLst>
       <p:par>
-        <p:cTn id="1" dur="indefinite" restart="never" nodeType="tmRoot"/>
+        <p:cTn xmlns:p14="http://schemas.microsoft.com/office/powerpoint/2010/main" id="1" dur="indefinite" restart="never" nodeType="tmRoot"/>
       </p:par>
     </p:tnLst>
   </p:timing>
@@ -6017,7 +6043,7 @@
   <p:timing>
     <p:tnLst>
       <p:par>
-        <p:cTn id="1" dur="indefinite" restart="never" nodeType="tmRoot"/>
+        <p:cTn xmlns:p14="http://schemas.microsoft.com/office/powerpoint/2010/main" id="1" dur="indefinite" restart="never" nodeType="tmRoot"/>
       </p:par>
     </p:tnLst>
   </p:timing>
@@ -6095,7 +6121,7 @@
   <p:timing>
     <p:tnLst>
       <p:par>
-        <p:cTn id="1" dur="indefinite" restart="never" nodeType="tmRoot"/>
+        <p:cTn xmlns:p14="http://schemas.microsoft.com/office/powerpoint/2010/main" id="1" dur="indefinite" restart="never" nodeType="tmRoot"/>
       </p:par>
     </p:tnLst>
   </p:timing>
@@ -6173,7 +6199,7 @@
   <p:timing>
     <p:tnLst>
       <p:par>
-        <p:cTn id="1" dur="indefinite" restart="never" nodeType="tmRoot"/>
+        <p:cTn xmlns:p14="http://schemas.microsoft.com/office/powerpoint/2010/main" id="1" dur="indefinite" restart="never" nodeType="tmRoot"/>
       </p:par>
     </p:tnLst>
   </p:timing>
@@ -6251,7 +6277,7 @@
   <p:timing>
     <p:tnLst>
       <p:par>
-        <p:cTn id="1" dur="indefinite" restart="never" nodeType="tmRoot"/>
+        <p:cTn xmlns:p14="http://schemas.microsoft.com/office/powerpoint/2010/main" id="1" dur="indefinite" restart="never" nodeType="tmRoot"/>
       </p:par>
     </p:tnLst>
   </p:timing>
@@ -6330,7 +6356,7 @@
   <p:timing>
     <p:tnLst>
       <p:par>
-        <p:cTn id="1" dur="indefinite" restart="never" nodeType="tmRoot"/>
+        <p:cTn xmlns:p14="http://schemas.microsoft.com/office/powerpoint/2010/main" id="1" dur="indefinite" restart="never" nodeType="tmRoot"/>
       </p:par>
     </p:tnLst>
   </p:timing>
@@ -6478,10 +6504,82 @@
   <p:timing>
     <p:tnLst>
       <p:par>
-        <p:cTn id="1" dur="indefinite" restart="never" nodeType="tmRoot"/>
+        <p:cTn xmlns:p14="http://schemas.microsoft.com/office/powerpoint/2010/main" id="1" dur="indefinite" restart="never" nodeType="tmRoot"/>
       </p:par>
     </p:tnLst>
   </p:timing>
+</p:sld>
+</file>
+
+<file path=ppt/slides/slide20.xml><?xml version="1.0" encoding="utf-8"?>
+<p:sld xmlns:a="http://schemas.openxmlformats.org/drawingml/2006/main" xmlns:r="http://schemas.openxmlformats.org/officeDocument/2006/relationships" xmlns:p="http://schemas.openxmlformats.org/presentationml/2006/main">
+  <p:cSld>
+    <p:spTree>
+      <p:nvGrpSpPr>
+        <p:cNvPr id="1" name=""/>
+        <p:cNvGrpSpPr/>
+        <p:nvPr/>
+      </p:nvGrpSpPr>
+      <p:grpSpPr>
+        <a:xfrm>
+          <a:off x="0" y="0"/>
+          <a:ext cx="0" cy="0"/>
+          <a:chOff x="0" y="0"/>
+          <a:chExt cx="0" cy="0"/>
+        </a:xfrm>
+      </p:grpSpPr>
+      <p:sp>
+        <p:nvSpPr>
+          <p:cNvPr id="2" name="Title 1"/>
+          <p:cNvSpPr>
+            <a:spLocks noGrp="1"/>
+          </p:cNvSpPr>
+          <p:nvPr>
+            <p:ph type="title"/>
+          </p:nvPr>
+        </p:nvSpPr>
+        <p:spPr/>
+        <p:txBody>
+          <a:bodyPr/>
+          <a:lstStyle/>
+          <a:p>
+            <a:r>
+              <a:rPr lang="en-US" dirty="0" smtClean="0"/>
+              <a:t>References</a:t>
+            </a:r>
+            <a:endParaRPr lang="en-US" dirty="0"/>
+          </a:p>
+        </p:txBody>
+      </p:sp>
+      <p:sp>
+        <p:nvSpPr>
+          <p:cNvPr id="3" name="Content Placeholder 2"/>
+          <p:cNvSpPr>
+            <a:spLocks noGrp="1"/>
+          </p:cNvSpPr>
+          <p:nvPr>
+            <p:ph idx="1"/>
+          </p:nvPr>
+        </p:nvSpPr>
+        <p:spPr/>
+        <p:txBody>
+          <a:bodyPr/>
+          <a:lstStyle/>
+          <a:p>
+            <a:endParaRPr lang="en-US" dirty="0"/>
+          </a:p>
+        </p:txBody>
+      </p:sp>
+    </p:spTree>
+    <p:extLst>
+      <p:ext uri="{BB962C8B-B14F-4D97-AF65-F5344CB8AC3E}">
+        <p14:creationId xmlns:p14="http://schemas.microsoft.com/office/powerpoint/2010/main" val="713902656"/>
+      </p:ext>
+    </p:extLst>
+  </p:cSld>
+  <p:clrMapOvr>
+    <a:masterClrMapping/>
+  </p:clrMapOvr>
 </p:sld>
 </file>
 
@@ -6564,11 +6662,7 @@
           <a:p>
             <a:r>
               <a:rPr lang="en-AU" sz="2400" dirty="0"/>
-              <a:t> </a:t>
-            </a:r>
-            <a:r>
-              <a:rPr lang="en-AU" sz="2400" dirty="0"/>
-              <a:t>The structure of the data is population of 0-19 year olds, and all recorded brain cancers during that period, split into the </a:t>
+              <a:t> The structure of the data is population of 0-19 year olds, and all recorded brain cancers during that period, split into the </a:t>
             </a:r>
             <a:r>
               <a:rPr lang="en-AU" sz="2400" dirty="0" smtClean="0"/>
@@ -6612,7 +6706,7 @@
   <p:timing>
     <p:tnLst>
       <p:par>
-        <p:cTn id="1" dur="indefinite" restart="never" nodeType="tmRoot"/>
+        <p:cTn xmlns:p14="http://schemas.microsoft.com/office/powerpoint/2010/main" id="1" dur="indefinite" restart="never" nodeType="tmRoot"/>
       </p:par>
     </p:tnLst>
   </p:timing>
@@ -6918,14 +7012,14 @@
             <a:noFill/>
           </a:ln>
           <a:extLst>
-            <a:ext uri="{909E8E84-426E-40DD-AFC4-6F175D3DCCD1}">
+            <a:ext uri="{909E8E84-426E-40dd-AFC4-6F175D3DCCD1}">
               <a14:hiddenFill xmlns:a14="http://schemas.microsoft.com/office/drawing/2010/main">
                 <a:solidFill>
                   <a:schemeClr val="accent1"/>
                 </a:solidFill>
               </a14:hiddenFill>
             </a:ext>
-            <a:ext uri="{91240B29-F687-4F45-9708-019B960494DF}">
+            <a:ext uri="{91240B29-F687-4f45-9708-019B960494DF}">
               <a14:hiddenLine xmlns:a14="http://schemas.microsoft.com/office/drawing/2010/main" w="9525">
                 <a:solidFill>
                   <a:schemeClr val="tx1"/>
@@ -6951,7 +7045,7 @@
   <p:timing>
     <p:tnLst>
       <p:par>
-        <p:cTn id="1" dur="indefinite" restart="never" nodeType="tmRoot"/>
+        <p:cTn xmlns:p14="http://schemas.microsoft.com/office/powerpoint/2010/main" id="1" dur="indefinite" restart="never" nodeType="tmRoot"/>
       </p:par>
     </p:tnLst>
   </p:timing>
@@ -7017,11 +7111,7 @@
           <a:p>
             <a:r>
               <a:rPr lang="en-AU" sz="2400" dirty="0" smtClean="0"/>
-              <a:t>These </a:t>
-            </a:r>
-            <a:r>
-              <a:rPr lang="en-AU" sz="2400" dirty="0" smtClean="0"/>
-              <a:t>are: </a:t>
+              <a:t>These are: </a:t>
             </a:r>
           </a:p>
           <a:p>
@@ -7093,7 +7183,7 @@
   <p:timing>
     <p:tnLst>
       <p:par>
-        <p:cTn id="1" dur="indefinite" restart="never" nodeType="tmRoot"/>
+        <p:cTn xmlns:p14="http://schemas.microsoft.com/office/powerpoint/2010/main" id="1" dur="indefinite" restart="never" nodeType="tmRoot"/>
       </p:par>
     </p:tnLst>
   </p:timing>
@@ -7140,8 +7230,8 @@
           </a:p>
         </p:txBody>
       </p:sp>
-      <mc:AlternateContent xmlns:mc="http://schemas.openxmlformats.org/markup-compatibility/2006">
-        <mc:Choice xmlns:a14="http://schemas.microsoft.com/office/drawing/2010/main" Requires="a14">
+      <mc:AlternateContent xmlns:mc="http://schemas.openxmlformats.org/markup-compatibility/2006" xmlns:a14="http://schemas.microsoft.com/office/drawing/2010/main">
+        <mc:Choice Requires="a14">
           <p:sp>
             <p:nvSpPr>
               <p:cNvPr id="3" name="Content Placeholder 2"/>
@@ -7164,11 +7254,7 @@
               <a:p>
                 <a:r>
                   <a:rPr lang="en-AU" sz="2400" dirty="0" smtClean="0"/>
-                  <a:t>The </a:t>
-                </a:r>
-                <a:r>
-                  <a:rPr lang="en-AU" sz="2400" dirty="0" smtClean="0"/>
-                  <a:t>SMR model just involves finding the MLE of </a:t>
+                  <a:t>The SMR model just involves finding the MLE of </a:t>
                 </a:r>
                 <a:r>
                   <a:rPr lang="el-GR" sz="2400" dirty="0" smtClean="0"/>
@@ -7183,7 +7269,7 @@
                   <a:t>. This turns out to be </a:t>
                 </a:r>
                 <a14:m>
-                  <m:oMath xmlns:m="http://schemas.openxmlformats.org/officeDocument/2006/math">
+                  <m:oMath xmlns:m="http://schemas.openxmlformats.org/officeDocument/2006/math" xmlns="">
                     <m:f>
                       <m:fPr>
                         <m:ctrlPr>
@@ -7231,22 +7317,14 @@
               <a:p>
                 <a:r>
                   <a:rPr lang="en-AU" sz="2400" dirty="0" smtClean="0"/>
-                  <a:t>This </a:t>
-                </a:r>
-                <a:r>
-                  <a:rPr lang="en-AU" sz="2400" dirty="0" smtClean="0"/>
-                  <a:t>model </a:t>
-                </a:r>
-                <a:r>
-                  <a:rPr lang="en-AU" sz="2400" dirty="0" smtClean="0"/>
-                  <a:t>proved to contain a lot of confounding noise, which showed them that it wasn’t a useful model.</a:t>
+                  <a:t>This model proved to contain a lot of confounding noise, which showed them that it wasn’t a useful model.</a:t>
                 </a:r>
                 <a:endParaRPr lang="en-AU" sz="2400" dirty="0"/>
               </a:p>
             </p:txBody>
           </p:sp>
         </mc:Choice>
-        <mc:Fallback>
+        <mc:Fallback xmlns="">
           <p:sp>
             <p:nvSpPr>
               <p:cNvPr id="3" name="Content Placeholder 2"/>
@@ -7314,14 +7392,14 @@
             <a:noFill/>
           </a:ln>
           <a:extLst>
-            <a:ext uri="{909E8E84-426E-40DD-AFC4-6F175D3DCCD1}">
+            <a:ext uri="{909E8E84-426E-40dd-AFC4-6F175D3DCCD1}">
               <a14:hiddenFill xmlns:a14="http://schemas.microsoft.com/office/drawing/2010/main">
                 <a:solidFill>
                   <a:schemeClr val="accent1"/>
                 </a:solidFill>
               </a14:hiddenFill>
             </a:ext>
-            <a:ext uri="{91240B29-F687-4F45-9708-019B960494DF}">
+            <a:ext uri="{91240B29-F687-4f45-9708-019B960494DF}">
               <a14:hiddenLine xmlns:a14="http://schemas.microsoft.com/office/drawing/2010/main" w="9525">
                 <a:solidFill>
                   <a:schemeClr val="tx1"/>
@@ -7347,7 +7425,7 @@
   <p:timing>
     <p:tnLst>
       <p:par>
-        <p:cTn id="1" dur="indefinite" restart="never" nodeType="tmRoot"/>
+        <p:cTn xmlns:p14="http://schemas.microsoft.com/office/powerpoint/2010/main" id="1" dur="indefinite" restart="never" nodeType="tmRoot"/>
       </p:par>
     </p:tnLst>
   </p:timing>
@@ -7538,14 +7616,14 @@
             <a:noFill/>
           </a:ln>
           <a:extLst>
-            <a:ext uri="{909E8E84-426E-40DD-AFC4-6F175D3DCCD1}">
+            <a:ext uri="{909E8E84-426E-40dd-AFC4-6F175D3DCCD1}">
               <a14:hiddenFill xmlns:a14="http://schemas.microsoft.com/office/drawing/2010/main">
                 <a:solidFill>
                   <a:schemeClr val="accent1"/>
                 </a:solidFill>
               </a14:hiddenFill>
             </a:ext>
-            <a:ext uri="{91240B29-F687-4F45-9708-019B960494DF}">
+            <a:ext uri="{91240B29-F687-4f45-9708-019B960494DF}">
               <a14:hiddenLine xmlns:a14="http://schemas.microsoft.com/office/drawing/2010/main" w="9525">
                 <a:solidFill>
                   <a:schemeClr val="tx1"/>
@@ -7601,7 +7679,7 @@
   <p:timing>
     <p:tnLst>
       <p:par>
-        <p:cTn id="1" dur="indefinite" restart="never" nodeType="tmRoot"/>
+        <p:cTn xmlns:p14="http://schemas.microsoft.com/office/powerpoint/2010/main" id="1" dur="indefinite" restart="never" nodeType="tmRoot"/>
       </p:par>
     </p:tnLst>
   </p:timing>
@@ -7720,14 +7798,14 @@
             <a:noFill/>
           </a:ln>
           <a:extLst>
-            <a:ext uri="{909E8E84-426E-40DD-AFC4-6F175D3DCCD1}">
+            <a:ext uri="{909E8E84-426E-40dd-AFC4-6F175D3DCCD1}">
               <a14:hiddenFill xmlns:a14="http://schemas.microsoft.com/office/drawing/2010/main">
                 <a:solidFill>
                   <a:schemeClr val="accent1"/>
                 </a:solidFill>
               </a14:hiddenFill>
             </a:ext>
-            <a:ext uri="{91240B29-F687-4F45-9708-019B960494DF}">
+            <a:ext uri="{91240B29-F687-4f45-9708-019B960494DF}">
               <a14:hiddenLine xmlns:a14="http://schemas.microsoft.com/office/drawing/2010/main" w="9525">
                 <a:solidFill>
                   <a:schemeClr val="tx1"/>
@@ -7783,7 +7861,7 @@
   <p:timing>
     <p:tnLst>
       <p:par>
-        <p:cTn id="1" dur="indefinite" restart="never" nodeType="tmRoot"/>
+        <p:cTn xmlns:p14="http://schemas.microsoft.com/office/powerpoint/2010/main" id="1" dur="indefinite" restart="never" nodeType="tmRoot"/>
       </p:par>
     </p:tnLst>
   </p:timing>
@@ -7892,7 +7970,7 @@
   <p:timing>
     <p:tnLst>
       <p:par>
-        <p:cTn id="1" dur="indefinite" restart="never" nodeType="tmRoot"/>
+        <p:cTn xmlns:p14="http://schemas.microsoft.com/office/powerpoint/2010/main" id="1" dur="indefinite" restart="never" nodeType="tmRoot"/>
       </p:par>
     </p:tnLst>
   </p:timing>
